--- a/PPT/#1DBMS.pptx
+++ b/PPT/#1DBMS.pptx
@@ -248,7 +248,7 @@
           <a:p>
             <a:fld id="{705E03B7-B591-4A2A-B695-014C5A39F13E}" type="datetimeFigureOut">
               <a:rPr lang="en-US"/>
-              <a:t>2021-12-19</a:t>
+              <a:t>23-Dec-2024</a:t>
             </a:fld>
             <a:endParaRPr/>
           </a:p>
@@ -413,7 +413,7 @@
           <a:p>
             <a:fld id="{67DFBD7B-E4FB-4AA8-9540-FD148073ACB3}" type="datetimeFigureOut">
               <a:rPr lang="en-US"/>
-              <a:t>2021-12-19</a:t>
+              <a:t>23-Dec-2024</a:t>
             </a:fld>
             <a:endParaRPr/>
           </a:p>
@@ -477,35 +477,30 @@
           <a:p>
             <a:pPr lvl="0"/>
             <a:r>
-              <a:rPr/>
               <a:t>Click to edit Master text styles</a:t>
             </a:r>
           </a:p>
           <a:p>
             <a:pPr lvl="1"/>
             <a:r>
-              <a:rPr/>
               <a:t>Second level</a:t>
             </a:r>
           </a:p>
           <a:p>
             <a:pPr lvl="2"/>
             <a:r>
-              <a:rPr/>
               <a:t>Third level</a:t>
             </a:r>
           </a:p>
           <a:p>
             <a:pPr lvl="3"/>
             <a:r>
-              <a:rPr/>
               <a:t>Fourth level</a:t>
             </a:r>
           </a:p>
           <a:p>
             <a:pPr lvl="4"/>
             <a:r>
-              <a:rPr/>
               <a:t>Fifth level</a:t>
             </a:r>
           </a:p>
@@ -1401,7 +1396,7 @@
           </a:lstStyle>
           <a:p>
             <a:r>
-              <a:rPr lang="en-US" smtClean="0"/>
+              <a:rPr lang="en-US"/>
               <a:t>Click to edit Master title style</a:t>
             </a:r>
             <a:endParaRPr/>
@@ -1522,7 +1517,7 @@
           </a:lstStyle>
           <a:p>
             <a:r>
-              <a:rPr lang="en-US" smtClean="0"/>
+              <a:rPr lang="en-US"/>
               <a:t>Click to edit Master subtitle style</a:t>
             </a:r>
             <a:endParaRPr dirty="0"/>
@@ -1568,7 +1563,7 @@
           <a:p>
             <a:fld id="{A7209051-6E81-43E8-9099-FF6A0C3DCFE8}" type="datetime1">
               <a:rPr lang="en-US"/>
-              <a:t>2021-12-19</a:t>
+              <a:t>23-Dec-2024</a:t>
             </a:fld>
             <a:endParaRPr/>
           </a:p>
@@ -1655,7 +1650,7 @@
           <a:lstStyle/>
           <a:p>
             <a:r>
-              <a:rPr lang="en-US" smtClean="0"/>
+              <a:rPr lang="en-US"/>
               <a:t>Click to edit Master title style</a:t>
             </a:r>
             <a:endParaRPr/>
@@ -1695,35 +1690,35 @@
           <a:p>
             <a:pPr lvl="0"/>
             <a:r>
-              <a:rPr lang="en-US" smtClean="0"/>
+              <a:rPr lang="en-US"/>
               <a:t>Edit Master text styles</a:t>
             </a:r>
           </a:p>
           <a:p>
             <a:pPr lvl="1"/>
             <a:r>
-              <a:rPr lang="en-US" smtClean="0"/>
+              <a:rPr lang="en-US"/>
               <a:t>Second level</a:t>
             </a:r>
           </a:p>
           <a:p>
             <a:pPr lvl="2"/>
             <a:r>
-              <a:rPr lang="en-US" smtClean="0"/>
+              <a:rPr lang="en-US"/>
               <a:t>Third level</a:t>
             </a:r>
           </a:p>
           <a:p>
             <a:pPr lvl="3"/>
             <a:r>
-              <a:rPr lang="en-US" smtClean="0"/>
+              <a:rPr lang="en-US"/>
               <a:t>Fourth level</a:t>
             </a:r>
           </a:p>
           <a:p>
             <a:pPr lvl="4"/>
             <a:r>
-              <a:rPr lang="en-US" smtClean="0"/>
+              <a:rPr lang="en-US"/>
               <a:t>Fifth level</a:t>
             </a:r>
             <a:endParaRPr/>
@@ -1769,7 +1764,7 @@
           <a:p>
             <a:fld id="{EDCEAB04-7709-4C1E-A61A-74684A0170FC}" type="datetime1">
               <a:rPr lang="en-US"/>
-              <a:t>2021-12-19</a:t>
+              <a:t>23-Dec-2024</a:t>
             </a:fld>
             <a:endParaRPr/>
           </a:p>
@@ -2200,7 +2195,7 @@
           <a:lstStyle/>
           <a:p>
             <a:r>
-              <a:rPr lang="en-US" smtClean="0"/>
+              <a:rPr lang="en-US"/>
               <a:t>Click to edit Master title style</a:t>
             </a:r>
             <a:endParaRPr/>
@@ -2245,35 +2240,35 @@
           <a:p>
             <a:pPr lvl="0"/>
             <a:r>
-              <a:rPr lang="en-US" smtClean="0"/>
+              <a:rPr lang="en-US"/>
               <a:t>Edit Master text styles</a:t>
             </a:r>
           </a:p>
           <a:p>
             <a:pPr lvl="1"/>
             <a:r>
-              <a:rPr lang="en-US" smtClean="0"/>
+              <a:rPr lang="en-US"/>
               <a:t>Second level</a:t>
             </a:r>
           </a:p>
           <a:p>
             <a:pPr lvl="2"/>
             <a:r>
-              <a:rPr lang="en-US" smtClean="0"/>
+              <a:rPr lang="en-US"/>
               <a:t>Third level</a:t>
             </a:r>
           </a:p>
           <a:p>
             <a:pPr lvl="3"/>
             <a:r>
-              <a:rPr lang="en-US" smtClean="0"/>
+              <a:rPr lang="en-US"/>
               <a:t>Fourth level</a:t>
             </a:r>
           </a:p>
           <a:p>
             <a:pPr lvl="4"/>
             <a:r>
-              <a:rPr lang="en-US" smtClean="0"/>
+              <a:rPr lang="en-US"/>
               <a:t>Fifth level</a:t>
             </a:r>
             <a:endParaRPr/>
@@ -2319,7 +2314,7 @@
           <a:p>
             <a:fld id="{0C79BD0D-E0B1-4CED-AC65-708AC79EB9CD}" type="datetime1">
               <a:rPr lang="en-US"/>
-              <a:t>2021-12-19</a:t>
+              <a:t>23-Dec-2024</a:t>
             </a:fld>
             <a:endParaRPr/>
           </a:p>
@@ -2406,7 +2401,7 @@
           <a:lstStyle/>
           <a:p>
             <a:r>
-              <a:rPr lang="en-US" smtClean="0"/>
+              <a:rPr lang="en-US"/>
               <a:t>Click to edit Master title style</a:t>
             </a:r>
             <a:endParaRPr/>
@@ -2446,35 +2441,35 @@
           <a:p>
             <a:pPr lvl="0"/>
             <a:r>
-              <a:rPr lang="en-US" smtClean="0"/>
+              <a:rPr lang="en-US"/>
               <a:t>Edit Master text styles</a:t>
             </a:r>
           </a:p>
           <a:p>
             <a:pPr lvl="1"/>
             <a:r>
-              <a:rPr lang="en-US" smtClean="0"/>
+              <a:rPr lang="en-US"/>
               <a:t>Second level</a:t>
             </a:r>
           </a:p>
           <a:p>
             <a:pPr lvl="2"/>
             <a:r>
-              <a:rPr lang="en-US" smtClean="0"/>
+              <a:rPr lang="en-US"/>
               <a:t>Third level</a:t>
             </a:r>
           </a:p>
           <a:p>
             <a:pPr lvl="3"/>
             <a:r>
-              <a:rPr lang="en-US" smtClean="0"/>
+              <a:rPr lang="en-US"/>
               <a:t>Fourth level</a:t>
             </a:r>
           </a:p>
           <a:p>
             <a:pPr lvl="4"/>
             <a:r>
-              <a:rPr lang="en-US" smtClean="0"/>
+              <a:rPr lang="en-US"/>
               <a:t>Fifth level</a:t>
             </a:r>
             <a:endParaRPr/>
@@ -2520,7 +2515,7 @@
           <a:p>
             <a:fld id="{0CC3EA6D-DF0B-4D4B-B359-5F1D1D0E30A4}" type="datetime1">
               <a:rPr lang="en-US"/>
-              <a:t>2021-12-19</a:t>
+              <a:t>23-Dec-2024</a:t>
             </a:fld>
             <a:endParaRPr/>
           </a:p>
@@ -2957,7 +2952,7 @@
           </a:lstStyle>
           <a:p>
             <a:r>
-              <a:rPr lang="en-US" smtClean="0"/>
+              <a:rPr lang="en-US"/>
               <a:t>Click to edit Master title style</a:t>
             </a:r>
             <a:endParaRPr/>
@@ -3079,7 +3074,7 @@
           <a:p>
             <a:pPr lvl="0"/>
             <a:r>
-              <a:rPr lang="en-US" smtClean="0"/>
+              <a:rPr lang="en-US"/>
               <a:t>Edit Master text styles</a:t>
             </a:r>
           </a:p>
@@ -3124,7 +3119,7 @@
           <a:p>
             <a:fld id="{977EDB99-15BC-4479-BAC5-1E502E66917A}" type="datetime1">
               <a:rPr lang="en-US"/>
-              <a:t>2021-12-19</a:t>
+              <a:t>23-Dec-2024</a:t>
             </a:fld>
             <a:endParaRPr/>
           </a:p>
@@ -3216,7 +3211,7 @@
           <a:lstStyle/>
           <a:p>
             <a:r>
-              <a:rPr lang="en-US" smtClean="0"/>
+              <a:rPr lang="en-US"/>
               <a:t>Click to edit Master title style</a:t>
             </a:r>
             <a:endParaRPr/>
@@ -3275,35 +3270,35 @@
           <a:p>
             <a:pPr lvl="0"/>
             <a:r>
-              <a:rPr lang="en-US" smtClean="0"/>
+              <a:rPr lang="en-US"/>
               <a:t>Edit Master text styles</a:t>
             </a:r>
           </a:p>
           <a:p>
             <a:pPr lvl="1"/>
             <a:r>
-              <a:rPr lang="en-US" smtClean="0"/>
+              <a:rPr lang="en-US"/>
               <a:t>Second level</a:t>
             </a:r>
           </a:p>
           <a:p>
             <a:pPr lvl="2"/>
             <a:r>
-              <a:rPr lang="en-US" smtClean="0"/>
+              <a:rPr lang="en-US"/>
               <a:t>Third level</a:t>
             </a:r>
           </a:p>
           <a:p>
             <a:pPr lvl="3"/>
             <a:r>
-              <a:rPr lang="en-US" smtClean="0"/>
+              <a:rPr lang="en-US"/>
               <a:t>Fourth level</a:t>
             </a:r>
           </a:p>
           <a:p>
             <a:pPr lvl="4"/>
             <a:r>
-              <a:rPr lang="en-US" smtClean="0"/>
+              <a:rPr lang="en-US"/>
               <a:t>Fifth level</a:t>
             </a:r>
             <a:endParaRPr/>
@@ -3362,35 +3357,35 @@
           <a:p>
             <a:pPr lvl="0"/>
             <a:r>
-              <a:rPr lang="en-US" smtClean="0"/>
+              <a:rPr lang="en-US"/>
               <a:t>Edit Master text styles</a:t>
             </a:r>
           </a:p>
           <a:p>
             <a:pPr lvl="1"/>
             <a:r>
-              <a:rPr lang="en-US" smtClean="0"/>
+              <a:rPr lang="en-US"/>
               <a:t>Second level</a:t>
             </a:r>
           </a:p>
           <a:p>
             <a:pPr lvl="2"/>
             <a:r>
-              <a:rPr lang="en-US" smtClean="0"/>
+              <a:rPr lang="en-US"/>
               <a:t>Third level</a:t>
             </a:r>
           </a:p>
           <a:p>
             <a:pPr lvl="3"/>
             <a:r>
-              <a:rPr lang="en-US" smtClean="0"/>
+              <a:rPr lang="en-US"/>
               <a:t>Fourth level</a:t>
             </a:r>
           </a:p>
           <a:p>
             <a:pPr lvl="4"/>
             <a:r>
-              <a:rPr lang="en-US" smtClean="0"/>
+              <a:rPr lang="en-US"/>
               <a:t>Fifth level</a:t>
             </a:r>
             <a:endParaRPr/>
@@ -3436,7 +3431,7 @@
           <a:p>
             <a:fld id="{4067C2A3-CD19-48AB-9F64-ECCF75182EDD}" type="datetime1">
               <a:rPr lang="en-US"/>
-              <a:t>2021-12-19</a:t>
+              <a:t>23-Dec-2024</a:t>
             </a:fld>
             <a:endParaRPr/>
           </a:p>
@@ -3532,7 +3527,7 @@
           </a:lstStyle>
           <a:p>
             <a:r>
-              <a:rPr lang="en-US" smtClean="0"/>
+              <a:rPr lang="en-US"/>
               <a:t>Click to edit Master title style</a:t>
             </a:r>
             <a:endParaRPr/>
@@ -3606,7 +3601,7 @@
           <a:p>
             <a:pPr lvl="0"/>
             <a:r>
-              <a:rPr lang="en-US" smtClean="0"/>
+              <a:rPr lang="en-US"/>
               <a:t>Edit Master text styles</a:t>
             </a:r>
           </a:p>
@@ -3664,35 +3659,35 @@
           <a:p>
             <a:pPr lvl="0"/>
             <a:r>
-              <a:rPr lang="en-US" smtClean="0"/>
+              <a:rPr lang="en-US"/>
               <a:t>Edit Master text styles</a:t>
             </a:r>
           </a:p>
           <a:p>
             <a:pPr lvl="1"/>
             <a:r>
-              <a:rPr lang="en-US" smtClean="0"/>
+              <a:rPr lang="en-US"/>
               <a:t>Second level</a:t>
             </a:r>
           </a:p>
           <a:p>
             <a:pPr lvl="2"/>
             <a:r>
-              <a:rPr lang="en-US" smtClean="0"/>
+              <a:rPr lang="en-US"/>
               <a:t>Third level</a:t>
             </a:r>
           </a:p>
           <a:p>
             <a:pPr lvl="3"/>
             <a:r>
-              <a:rPr lang="en-US" smtClean="0"/>
+              <a:rPr lang="en-US"/>
               <a:t>Fourth level</a:t>
             </a:r>
           </a:p>
           <a:p>
             <a:pPr lvl="4"/>
             <a:r>
-              <a:rPr lang="en-US" smtClean="0"/>
+              <a:rPr lang="en-US"/>
               <a:t>Fifth level</a:t>
             </a:r>
             <a:endParaRPr/>
@@ -3766,7 +3761,7 @@
           <a:p>
             <a:pPr lvl="0"/>
             <a:r>
-              <a:rPr lang="en-US" smtClean="0"/>
+              <a:rPr lang="en-US"/>
               <a:t>Edit Master text styles</a:t>
             </a:r>
           </a:p>
@@ -3824,35 +3819,35 @@
           <a:p>
             <a:pPr lvl="0"/>
             <a:r>
-              <a:rPr lang="en-US" smtClean="0"/>
+              <a:rPr lang="en-US"/>
               <a:t>Edit Master text styles</a:t>
             </a:r>
           </a:p>
           <a:p>
             <a:pPr lvl="1"/>
             <a:r>
-              <a:rPr lang="en-US" smtClean="0"/>
+              <a:rPr lang="en-US"/>
               <a:t>Second level</a:t>
             </a:r>
           </a:p>
           <a:p>
             <a:pPr lvl="2"/>
             <a:r>
-              <a:rPr lang="en-US" smtClean="0"/>
+              <a:rPr lang="en-US"/>
               <a:t>Third level</a:t>
             </a:r>
           </a:p>
           <a:p>
             <a:pPr lvl="3"/>
             <a:r>
-              <a:rPr lang="en-US" smtClean="0"/>
+              <a:rPr lang="en-US"/>
               <a:t>Fourth level</a:t>
             </a:r>
           </a:p>
           <a:p>
             <a:pPr lvl="4"/>
             <a:r>
-              <a:rPr lang="en-US" smtClean="0"/>
+              <a:rPr lang="en-US"/>
               <a:t>Fifth level</a:t>
             </a:r>
             <a:endParaRPr/>
@@ -3898,7 +3893,7 @@
           <a:p>
             <a:fld id="{0363E8C1-7C87-4705-AB97-8CD17D208E3F}" type="datetime1">
               <a:rPr lang="en-US"/>
-              <a:t>2021-12-19</a:t>
+              <a:t>23-Dec-2024</a:t>
             </a:fld>
             <a:endParaRPr/>
           </a:p>
@@ -3985,7 +3980,7 @@
           <a:lstStyle/>
           <a:p>
             <a:r>
-              <a:rPr lang="en-US" smtClean="0"/>
+              <a:rPr lang="en-US"/>
               <a:t>Click to edit Master title style</a:t>
             </a:r>
             <a:endParaRPr/>
@@ -4031,7 +4026,7 @@
           <a:p>
             <a:fld id="{E20C624E-DF92-4841-B9B9-DD11AA239B85}" type="datetime1">
               <a:rPr lang="en-US"/>
-              <a:t>2021-12-19</a:t>
+              <a:t>23-Dec-2024</a:t>
             </a:fld>
             <a:endParaRPr/>
           </a:p>
@@ -4324,7 +4319,7 @@
           <a:p>
             <a:fld id="{FBDA3AE1-4360-4D5B-BDBC-656B872DD533}" type="datetime1">
               <a:rPr lang="en-US"/>
-              <a:t>2021-12-19</a:t>
+              <a:t>23-Dec-2024</a:t>
             </a:fld>
             <a:endParaRPr/>
           </a:p>
@@ -4417,7 +4412,7 @@
           </a:lstStyle>
           <a:p>
             <a:r>
-              <a:rPr lang="en-US" smtClean="0"/>
+              <a:rPr lang="en-US"/>
               <a:t>Click to edit Master title style</a:t>
             </a:r>
             <a:endParaRPr/>
@@ -4476,35 +4471,35 @@
           <a:p>
             <a:pPr lvl="0"/>
             <a:r>
-              <a:rPr lang="en-US" smtClean="0"/>
+              <a:rPr lang="en-US"/>
               <a:t>Edit Master text styles</a:t>
             </a:r>
           </a:p>
           <a:p>
             <a:pPr lvl="1"/>
             <a:r>
-              <a:rPr lang="en-US" smtClean="0"/>
+              <a:rPr lang="en-US"/>
               <a:t>Second level</a:t>
             </a:r>
           </a:p>
           <a:p>
             <a:pPr lvl="2"/>
             <a:r>
-              <a:rPr lang="en-US" smtClean="0"/>
+              <a:rPr lang="en-US"/>
               <a:t>Third level</a:t>
             </a:r>
           </a:p>
           <a:p>
             <a:pPr lvl="3"/>
             <a:r>
-              <a:rPr lang="en-US" smtClean="0"/>
+              <a:rPr lang="en-US"/>
               <a:t>Fourth level</a:t>
             </a:r>
           </a:p>
           <a:p>
             <a:pPr lvl="4"/>
             <a:r>
-              <a:rPr lang="en-US" smtClean="0"/>
+              <a:rPr lang="en-US"/>
               <a:t>Fifth level</a:t>
             </a:r>
             <a:endParaRPr/>
@@ -4578,7 +4573,7 @@
           <a:p>
             <a:pPr lvl="0"/>
             <a:r>
-              <a:rPr lang="en-US" smtClean="0"/>
+              <a:rPr lang="en-US"/>
               <a:t>Edit Master text styles</a:t>
             </a:r>
           </a:p>
@@ -4623,7 +4618,7 @@
           <a:p>
             <a:fld id="{20990708-46A4-4851-883E-8DFB8939107E}" type="datetime1">
               <a:rPr lang="en-US"/>
-              <a:t>2021-12-19</a:t>
+              <a:t>23-Dec-2024</a:t>
             </a:fld>
             <a:endParaRPr/>
           </a:p>
@@ -4716,7 +4711,7 @@
           </a:lstStyle>
           <a:p>
             <a:r>
-              <a:rPr lang="en-US" smtClean="0"/>
+              <a:rPr lang="en-US"/>
               <a:t>Click to edit Master title style</a:t>
             </a:r>
             <a:endParaRPr/>
@@ -4788,7 +4783,7 @@
           </a:lstStyle>
           <a:p>
             <a:r>
-              <a:rPr lang="en-US" smtClean="0"/>
+              <a:rPr lang="en-US"/>
               <a:t>Click icon to add picture</a:t>
             </a:r>
             <a:endParaRPr/>
@@ -4862,7 +4857,7 @@
           <a:p>
             <a:pPr lvl="0"/>
             <a:r>
-              <a:rPr lang="en-US" smtClean="0"/>
+              <a:rPr lang="en-US"/>
               <a:t>Edit Master text styles</a:t>
             </a:r>
           </a:p>
@@ -4907,7 +4902,7 @@
           <a:p>
             <a:fld id="{AE88EFFC-86AE-4294-A319-CAFC2651994B}" type="datetime1">
               <a:rPr lang="en-US"/>
-              <a:t>2021-12-19</a:t>
+              <a:t>23-Dec-2024</a:t>
             </a:fld>
             <a:endParaRPr/>
           </a:p>
@@ -5348,7 +5343,7 @@
           <a:lstStyle/>
           <a:p>
             <a:r>
-              <a:rPr lang="en-US" smtClean="0"/>
+              <a:rPr lang="en-US"/>
               <a:t>Click to edit Master title style</a:t>
             </a:r>
             <a:endParaRPr/>
@@ -5382,35 +5377,35 @@
           <a:p>
             <a:pPr lvl="0"/>
             <a:r>
-              <a:rPr lang="en-US" smtClean="0"/>
+              <a:rPr lang="en-US"/>
               <a:t>Edit Master text styles</a:t>
             </a:r>
           </a:p>
           <a:p>
             <a:pPr lvl="1"/>
             <a:r>
-              <a:rPr lang="en-US" smtClean="0"/>
+              <a:rPr lang="en-US"/>
               <a:t>Second level</a:t>
             </a:r>
           </a:p>
           <a:p>
             <a:pPr lvl="2"/>
             <a:r>
-              <a:rPr lang="en-US" smtClean="0"/>
+              <a:rPr lang="en-US"/>
               <a:t>Third level</a:t>
             </a:r>
           </a:p>
           <a:p>
             <a:pPr lvl="3"/>
             <a:r>
-              <a:rPr lang="en-US" smtClean="0"/>
+              <a:rPr lang="en-US"/>
               <a:t>Fourth level</a:t>
             </a:r>
           </a:p>
           <a:p>
             <a:pPr lvl="4"/>
             <a:r>
-              <a:rPr lang="en-US" smtClean="0"/>
+              <a:rPr lang="en-US"/>
               <a:t>Fifth level</a:t>
             </a:r>
             <a:endParaRPr dirty="0"/>
@@ -5489,7 +5484,7 @@
             <a:fld id="{D29E8617-6EA8-4B97-A5E8-E18E98765EE2}" type="datetime1">
               <a:rPr lang="en-US"/>
               <a:pPr/>
-              <a:t>2021-12-19</a:t>
+              <a:t>23-Dec-2024</a:t>
             </a:fld>
             <a:endParaRPr dirty="0"/>
           </a:p>
@@ -5883,7 +5878,7 @@
       </a:lvl9pPr>
     </p:otherStyle>
   </p:txStyles>
-  <p:extLst mod="1">
+  <p:extLst>
     <p:ext uri="{27BBF7A9-308A-43DC-89C8-2F10F3537804}">
       <p15:sldGuideLst xmlns:p15="http://schemas.microsoft.com/office/powerpoint/2012/main">
         <p15:guide id="1" orient="horz" pos="2160" userDrawn="1">
@@ -6020,7 +6015,7 @@
                     <a:p>
                       <a:pPr algn="ctr"/>
                       <a:r>
-                        <a:rPr lang="en-US" sz="2400" dirty="0" smtClean="0">
+                        <a:rPr lang="en-US" sz="2400" dirty="0">
                           <a:solidFill>
                             <a:schemeClr val="tx1"/>
                           </a:solidFill>
@@ -6029,13 +6024,6 @@
                         </a:rPr>
                         <a:t>Database</a:t>
                       </a:r>
-                      <a:endParaRPr lang="en-US" sz="2400" dirty="0">
-                        <a:solidFill>
-                          <a:schemeClr val="tx1"/>
-                        </a:solidFill>
-                        <a:latin typeface="Verdana" panose="020B0604030504040204" pitchFamily="34" charset="0"/>
-                        <a:ea typeface="Verdana" panose="020B0604030504040204" pitchFamily="34" charset="0"/>
-                      </a:endParaRPr>
                     </a:p>
                   </a:txBody>
                   <a:tcPr anchor="ctr"/>
@@ -6080,7 +6068,7 @@
                         <a:defRPr/>
                       </a:pPr>
                       <a:r>
-                        <a:rPr lang="en-US" sz="2400" kern="1200" dirty="0" smtClean="0">
+                        <a:rPr lang="en-US" sz="2400" kern="1200" dirty="0">
                           <a:solidFill>
                             <a:schemeClr val="dk1"/>
                           </a:solidFill>
@@ -6090,14 +6078,6 @@
                         </a:rPr>
                         <a:t>What is Database</a:t>
                       </a:r>
-                      <a:endParaRPr lang="en-US" sz="2400" kern="1200" dirty="0">
-                        <a:solidFill>
-                          <a:schemeClr val="dk1"/>
-                        </a:solidFill>
-                        <a:latin typeface="+mn-lt"/>
-                        <a:ea typeface="+mn-ea"/>
-                        <a:cs typeface="+mn-cs"/>
-                      </a:endParaRPr>
                     </a:p>
                   </a:txBody>
                   <a:tcPr anchor="ctr"/>
@@ -6125,7 +6105,7 @@
                         <a:defRPr/>
                       </a:pPr>
                       <a:r>
-                        <a:rPr lang="en-US" sz="2400" kern="1200" dirty="0" smtClean="0">
+                        <a:rPr lang="en-US" sz="2400" kern="1200" dirty="0">
                           <a:solidFill>
                             <a:schemeClr val="dk1"/>
                           </a:solidFill>
@@ -6169,7 +6149,7 @@
                         <a:defRPr/>
                       </a:pPr>
                       <a:r>
-                        <a:rPr lang="en-IN" sz="2400" kern="1200" dirty="0" smtClean="0">
+                        <a:rPr lang="en-IN" sz="2400" kern="1200" dirty="0">
                           <a:solidFill>
                             <a:schemeClr val="dk1"/>
                           </a:solidFill>
@@ -6179,14 +6159,6 @@
                         </a:rPr>
                         <a:t>What is a Database Model</a:t>
                       </a:r>
-                      <a:endParaRPr lang="en-IN" sz="2400" kern="1200" dirty="0">
-                        <a:solidFill>
-                          <a:schemeClr val="dk1"/>
-                        </a:solidFill>
-                        <a:latin typeface="+mn-lt"/>
-                        <a:ea typeface="+mn-ea"/>
-                        <a:cs typeface="+mn-cs"/>
-                      </a:endParaRPr>
                     </a:p>
                   </a:txBody>
                   <a:tcPr anchor="ctr"/>
@@ -6214,7 +6186,7 @@
                         <a:defRPr/>
                       </a:pPr>
                       <a:r>
-                        <a:rPr lang="en-IN" sz="2400" kern="1200" dirty="0" smtClean="0">
+                        <a:rPr lang="en-IN" sz="2400" kern="1200" dirty="0">
                           <a:solidFill>
                             <a:schemeClr val="dk1"/>
                           </a:solidFill>
@@ -6224,14 +6196,6 @@
                         </a:rPr>
                         <a:t>Types of database models</a:t>
                       </a:r>
-                      <a:endParaRPr lang="en-IN" sz="2400" kern="1200" dirty="0">
-                        <a:solidFill>
-                          <a:schemeClr val="dk1"/>
-                        </a:solidFill>
-                        <a:latin typeface="+mn-lt"/>
-                        <a:ea typeface="+mn-ea"/>
-                        <a:cs typeface="+mn-cs"/>
-                      </a:endParaRPr>
                     </a:p>
                   </a:txBody>
                   <a:tcPr anchor="ctr"/>
@@ -6266,7 +6230,7 @@
                         <a:defRPr/>
                       </a:pPr>
                       <a:r>
-                        <a:rPr lang="en-US" sz="2400" kern="1200" dirty="0" smtClean="0">
+                        <a:rPr lang="en-US" sz="2400" kern="1200" dirty="0">
                           <a:solidFill>
                             <a:schemeClr val="dk1"/>
                           </a:solidFill>
@@ -6303,7 +6267,7 @@
                         <a:defRPr/>
                       </a:pPr>
                       <a:r>
-                        <a:rPr lang="en-US" sz="2400" kern="1200" dirty="0" smtClean="0">
+                        <a:rPr lang="en-US" sz="2400" kern="1200" dirty="0">
                           <a:solidFill>
                             <a:schemeClr val="dk1"/>
                           </a:solidFill>
@@ -6347,7 +6311,7 @@
                         <a:defRPr/>
                       </a:pPr>
                       <a:r>
-                        <a:rPr lang="en-IN" sz="2400" kern="1200" dirty="0" smtClean="0">
+                        <a:rPr lang="en-IN" sz="2400" kern="1200" dirty="0">
                           <a:solidFill>
                             <a:schemeClr val="dk1"/>
                           </a:solidFill>
@@ -6448,27 +6412,8 @@
                 <a:ea typeface="Microsoft YaHei" panose="020B0503020204020204" pitchFamily="34" charset="-122"/>
                 <a:sym typeface="Arial" panose="020B0604020202020204" pitchFamily="34" charset="0"/>
               </a:rPr>
-              <a:t>What you </a:t>
-            </a:r>
-            <a:r>
-              <a:rPr lang="en-US" altLang="zh-CN" sz="2800" b="1" dirty="0" smtClean="0">
-                <a:solidFill>
-                  <a:srgbClr val="262626"/>
-                </a:solidFill>
-                <a:latin typeface="Arial" panose="020B0604020202020204" pitchFamily="34" charset="0"/>
-                <a:ea typeface="Microsoft YaHei" panose="020B0503020204020204" pitchFamily="34" charset="-122"/>
-                <a:sym typeface="Arial" panose="020B0604020202020204" pitchFamily="34" charset="0"/>
-              </a:rPr>
-              <a:t>learn ? </a:t>
-            </a:r>
-            <a:endParaRPr lang="en-US" altLang="zh-CN" sz="2800" b="1" dirty="0">
-              <a:solidFill>
-                <a:srgbClr val="262626"/>
-              </a:solidFill>
-              <a:latin typeface="Arial" panose="020B0604020202020204" pitchFamily="34" charset="0"/>
-              <a:ea typeface="Microsoft YaHei" panose="020B0503020204020204" pitchFamily="34" charset="-122"/>
-              <a:sym typeface="Arial" panose="020B0604020202020204" pitchFamily="34" charset="0"/>
-            </a:endParaRPr>
+              <a:t>What you learn ? </a:t>
+            </a:r>
           </a:p>
         </p:txBody>
       </p:sp>
@@ -6494,13 +6439,6 @@
       </p:transition>
     </mc:Fallback>
   </mc:AlternateContent>
-  <p:timing>
-    <p:tnLst>
-      <p:par>
-        <p:cTn id="1" dur="indefinite" restart="never" nodeType="tmRoot"/>
-      </p:par>
-    </p:tnLst>
-  </p:timing>
 </p:sld>
 </file>
 
@@ -6553,14 +6491,10 @@
             </a:r>
             <a:r>
               <a:rPr lang="en-IN" dirty="0"/>
-              <a:t> </a:t>
-            </a:r>
-            <a:r>
-              <a:rPr lang="en-IN" dirty="0" smtClean="0"/>
-              <a:t> </a:t>
-            </a:r>
-            <a:r>
-              <a:rPr lang="en-IN" b="1" i="1" dirty="0" smtClean="0"/>
+              <a:t>  </a:t>
+            </a:r>
+            <a:r>
+              <a:rPr lang="en-IN" b="1" i="1" dirty="0"/>
               <a:t>database model</a:t>
             </a:r>
           </a:p>
@@ -6569,10 +6503,9 @@
               <a:buNone/>
             </a:pPr>
             <a:r>
-              <a:rPr lang="en-IN" dirty="0" smtClean="0"/>
+              <a:rPr lang="en-IN" dirty="0"/>
               <a:t>	</a:t>
             </a:r>
-            <a:endParaRPr lang="en-IN" dirty="0"/>
           </a:p>
         </p:txBody>
       </p:sp>
@@ -6638,12 +6571,8 @@
           <a:lstStyle/>
           <a:p>
             <a:r>
-              <a:rPr lang="en-IN" dirty="0" smtClean="0"/>
-              <a:t>In </a:t>
-            </a:r>
-            <a:r>
               <a:rPr lang="en-IN" dirty="0"/>
-              <a:t>addition to the object database model, other non-SQL models have emerged in contrast to the relational model:</a:t>
+              <a:t>In addition to the object database model, other non-SQL models have emerged in contrast to the relational model:</a:t>
             </a:r>
           </a:p>
           <a:p>
@@ -6720,13 +6649,6 @@
       </p:transition>
     </mc:Fallback>
   </mc:AlternateContent>
-  <p:timing>
-    <p:tnLst>
-      <p:par>
-        <p:cTn id="1" dur="indefinite" restart="never" nodeType="tmRoot"/>
-      </p:par>
-    </p:tnLst>
-  </p:timing>
 </p:sld>
 </file>
 
@@ -6845,13 +6767,6 @@
       </p:transition>
     </mc:Fallback>
   </mc:AlternateContent>
-  <p:timing>
-    <p:tnLst>
-      <p:par>
-        <p:cTn id="1" dur="indefinite" restart="never" nodeType="tmRoot"/>
-      </p:par>
-    </p:tnLst>
-  </p:timing>
 </p:sld>
 </file>
 
@@ -6938,22 +6853,14 @@
               <a:buChar char="Ø"/>
             </a:pPr>
             <a:r>
-              <a:rPr lang="en-IN" b="1" i="1" dirty="0" smtClean="0"/>
+              <a:rPr lang="en-IN" b="1" i="1" dirty="0"/>
               <a:t>Database</a:t>
             </a:r>
           </a:p>
           <a:p>
             <a:r>
               <a:rPr lang="en-IN" dirty="0"/>
-              <a:t>	</a:t>
-            </a:r>
-            <a:r>
-              <a:rPr lang="en-IN" dirty="0" smtClean="0"/>
-              <a:t>A </a:t>
-            </a:r>
-            <a:r>
-              <a:rPr lang="en-IN" dirty="0"/>
-              <a:t>database is a named collection of tables. (see table). A database can also contain views, indexes, sequences, data types, operators, and functions. </a:t>
+              <a:t>	A database is a named collection of tables. (see table). A database can also contain views, indexes, sequences, data types, operators, and functions. </a:t>
             </a:r>
           </a:p>
           <a:p>
@@ -6971,12 +6878,8 @@
           </a:p>
           <a:p>
             <a:r>
-              <a:rPr lang="en-IN" dirty="0" smtClean="0"/>
-              <a:t>	A </a:t>
-            </a:r>
-            <a:r>
               <a:rPr lang="en-IN" dirty="0"/>
-              <a:t>command is a string that you send to the server in hopes of having the server do something useful. Some people use the word statement to mean command. </a:t>
+              <a:t>	A command is a string that you send to the server in hopes of having the server do something useful. Some people use the word statement to mean command. </a:t>
             </a:r>
           </a:p>
           <a:p>
@@ -6994,16 +6897,8 @@
           </a:p>
           <a:p>
             <a:r>
-              <a:rPr lang="en-IN" dirty="0" smtClean="0"/>
-              <a:t>	A </a:t>
-            </a:r>
-            <a:r>
               <a:rPr lang="en-IN" dirty="0"/>
-              <a:t>query is a type of command that retrieves data from the server</a:t>
-            </a:r>
-            <a:r>
-              <a:rPr lang="en-IN" dirty="0" smtClean="0"/>
-              <a:t>.</a:t>
+              <a:t>	A query is a type of command that retrieves data from the server.</a:t>
             </a:r>
           </a:p>
           <a:p>
@@ -7022,11 +6917,10 @@
               <a:rPr lang="en-IN" dirty="0"/>
               <a:t> </a:t>
             </a:r>
-            <a:endParaRPr lang="en-IN" dirty="0" smtClean="0"/>
-          </a:p>
-          <a:p>
-            <a:r>
-              <a:rPr lang="en-IN" smtClean="0"/>
+          </a:p>
+          <a:p>
+            <a:r>
+              <a:rPr lang="en-IN"/>
               <a:t>	Is</a:t>
             </a:r>
             <a:r>
@@ -7035,21 +6929,12 @@
             </a:r>
             <a:r>
               <a:rPr lang="en-IN"/>
-              <a:t>related </a:t>
-            </a:r>
-            <a:r>
-              <a:rPr lang="en-IN" smtClean="0"/>
-              <a:t>table, </a:t>
+              <a:t>related table, </a:t>
             </a:r>
             <a:r>
               <a:rPr lang="en-IN" dirty="0"/>
-              <a:t>it also eliminates redundancy and increases the integrity which improves performance of the </a:t>
-            </a:r>
-            <a:r>
-              <a:rPr lang="en-IN" dirty="0" smtClean="0"/>
-              <a:t>query.</a:t>
-            </a:r>
-            <a:endParaRPr lang="en-IN" dirty="0"/>
+              <a:t>it also eliminates redundancy and increases the integrity which improves performance of the query.</a:t>
+            </a:r>
           </a:p>
           <a:p>
             <a:endParaRPr lang="en-IN" dirty="0"/>
@@ -7081,13 +6966,6 @@
       </p:transition>
     </mc:Fallback>
   </mc:AlternateContent>
-  <p:timing>
-    <p:tnLst>
-      <p:par>
-        <p:cTn id="1" dur="indefinite" restart="never" nodeType="tmRoot"/>
-      </p:par>
-    </p:tnLst>
-  </p:timing>
 </p:sld>
 </file>
 
@@ -7180,12 +7058,8 @@
           </a:p>
           <a:p>
             <a:r>
-              <a:rPr lang="en-IN" dirty="0" smtClean="0"/>
-              <a:t>	A </a:t>
-            </a:r>
-            <a:r>
               <a:rPr lang="en-IN" dirty="0"/>
-              <a:t>column is the smallest unit of storage in a relational database. A column represents one piece of information about an object. Every column has a name and a data type. Columns are grouped into rows, and rows are grouped into tables. </a:t>
+              <a:t>	A column is the smallest unit of storage in a relational database. A column represents one piece of information about an object. Every column has a name and a data type. Columns are grouped into rows, and rows are grouped into tables. </a:t>
             </a:r>
           </a:p>
           <a:p>
@@ -7203,12 +7077,8 @@
           </a:p>
           <a:p>
             <a:r>
-              <a:rPr lang="en-IN" dirty="0" smtClean="0"/>
-              <a:t>	A </a:t>
-            </a:r>
-            <a:r>
               <a:rPr lang="en-IN" dirty="0"/>
-              <a:t>row is a collection of column values. Every row in a table has the same shape (in other words, every row is composed of the same set of columns). If you are trying to model a real-world application, a row represents a real-world object. For example, if you are running an auto dealership, you might have a vehicles table. Each row in the vehicles table represents a car (or truck, or motorcycle, and so on). The kinds of information that you store are the same for all vehicles (that is, every car has a </a:t>
+              <a:t>	A row is a collection of column values. Every row in a table has the same shape (in other words, every row is composed of the same set of columns). If you are trying to model a real-world application, a row represents a real-world object. For example, if you are running an auto dealership, you might have a vehicles table. Each row in the vehicles table represents a car (or truck, or motorcycle, and so on). The kinds of information that you store are the same for all vehicles (that is, every car has a </a:t>
             </a:r>
             <a:r>
               <a:rPr lang="en-IN" dirty="0" err="1"/>
@@ -7216,13 +7086,8 @@
             </a:r>
             <a:r>
               <a:rPr lang="en-IN" dirty="0"/>
-              <a:t>, a vehicle ID, an engine, and so on</a:t>
-            </a:r>
-            <a:r>
-              <a:rPr lang="en-IN" dirty="0" smtClean="0"/>
-              <a:t>).</a:t>
-            </a:r>
-            <a:endParaRPr lang="en-IN" dirty="0"/>
+              <a:t>, a vehicle ID, an engine, and so on).</a:t>
+            </a:r>
           </a:p>
         </p:txBody>
       </p:sp>
@@ -7248,13 +7113,6 @@
       </p:transition>
     </mc:Fallback>
   </mc:AlternateContent>
-  <p:timing>
-    <p:tnLst>
-      <p:par>
-        <p:cTn id="1" dur="indefinite" restart="never" nodeType="tmRoot"/>
-      </p:par>
-    </p:tnLst>
-  </p:timing>
 </p:sld>
 </file>
 
@@ -7347,56 +7205,35 @@
           </a:p>
           <a:p>
             <a:r>
-              <a:rPr lang="en-IN" dirty="0" smtClean="0"/>
-              <a:t>	A </a:t>
-            </a:r>
-            <a:r>
               <a:rPr lang="en-IN" dirty="0"/>
-              <a:t>client is an application that makes requests of the </a:t>
-            </a:r>
-            <a:r>
-              <a:rPr lang="en-IN" dirty="0" smtClean="0"/>
-              <a:t>Database </a:t>
-            </a:r>
+              <a:t>	A client is an application that makes requests of the Database server. </a:t>
+            </a:r>
+          </a:p>
+          <a:p>
             <a:r>
               <a:rPr lang="en-IN" dirty="0"/>
-              <a:t>server. </a:t>
-            </a:r>
-            <a:endParaRPr lang="en-IN" dirty="0" smtClean="0"/>
-          </a:p>
-          <a:p>
-            <a:r>
-              <a:rPr lang="en-IN" dirty="0" smtClean="0"/>
-              <a:t>Client </a:t>
+              <a:t>Client applications provide a user interface and can be written in many languages.</a:t>
+            </a:r>
+          </a:p>
+          <a:p>
+            <a:r>
+              <a:rPr lang="en-US" dirty="0" err="1"/>
+              <a:t>Eg</a:t>
+            </a:r>
+            <a:r>
+              <a:rPr lang="en-US" dirty="0"/>
+              <a:t>. MySQL </a:t>
             </a:r>
             <a:r>
               <a:rPr lang="en-IN" dirty="0"/>
-              <a:t>applications provide a user interface and can be written in many languages</a:t>
-            </a:r>
-            <a:r>
-              <a:rPr lang="en-IN" dirty="0" smtClean="0"/>
-              <a:t>.</a:t>
-            </a:r>
-          </a:p>
-          <a:p>
-            <a:r>
-              <a:rPr lang="en-US" dirty="0" err="1" smtClean="0"/>
-              <a:t>Eg</a:t>
-            </a:r>
-            <a:r>
-              <a:rPr lang="en-US" dirty="0" smtClean="0"/>
-              <a:t>. MySQL </a:t>
-            </a:r>
-            <a:r>
-              <a:rPr lang="en-IN" dirty="0" smtClean="0"/>
               <a:t>Workbench</a:t>
             </a:r>
             <a:r>
-              <a:rPr lang="en-US" dirty="0" smtClean="0"/>
+              <a:rPr lang="en-US" dirty="0"/>
               <a:t>,</a:t>
             </a:r>
             <a:r>
-              <a:rPr lang="en-US" dirty="0" err="1" smtClean="0"/>
+              <a:rPr lang="en-US" dirty="0" err="1"/>
               <a:t>PhpMyAdmin</a:t>
             </a:r>
             <a:endParaRPr lang="en-IN" dirty="0"/>
@@ -7416,31 +7253,22 @@
           </a:p>
           <a:p>
             <a:r>
-              <a:rPr lang="en-IN" dirty="0" smtClean="0"/>
+              <a:rPr lang="en-IN" dirty="0"/>
               <a:t>	The </a:t>
             </a:r>
             <a:r>
-              <a:rPr lang="en-IN" dirty="0" err="1" smtClean="0"/>
+              <a:rPr lang="en-IN" dirty="0" err="1"/>
               <a:t>MySQL,Oracle,PostgreSQL</a:t>
             </a:r>
             <a:r>
-              <a:rPr lang="en-IN" dirty="0" smtClean="0"/>
-              <a:t> database server </a:t>
-            </a:r>
-            <a:r>
               <a:rPr lang="en-IN" dirty="0"/>
-              <a:t>is a program that services commands coming from client applications. </a:t>
-            </a:r>
-            <a:endParaRPr lang="en-IN" dirty="0" smtClean="0"/>
-          </a:p>
-          <a:p>
-            <a:r>
-              <a:rPr lang="en-IN" dirty="0" smtClean="0"/>
-              <a:t>The Database </a:t>
-            </a:r>
+              <a:t> database server is a program that services commands coming from client applications. </a:t>
+            </a:r>
+          </a:p>
+          <a:p>
             <a:r>
               <a:rPr lang="en-IN" dirty="0"/>
-              <a:t>server has no user </a:t>
+              <a:t>The Database server has no user </a:t>
             </a:r>
             <a:r>
               <a:rPr lang="en-IN" dirty="0" err="1"/>
@@ -7475,13 +7303,6 @@
       </p:transition>
     </mc:Fallback>
   </mc:AlternateContent>
-  <p:timing>
-    <p:tnLst>
-      <p:par>
-        <p:cTn id="1" dur="indefinite" restart="never" nodeType="tmRoot"/>
-      </p:par>
-    </p:tnLst>
-  </p:timing>
 </p:sld>
 </file>
 
@@ -7574,12 +7395,8 @@
           </a:p>
           <a:p>
             <a:r>
-              <a:rPr lang="en-IN" dirty="0" smtClean="0"/>
-              <a:t>	A </a:t>
-            </a:r>
-            <a:r>
               <a:rPr lang="en-IN" dirty="0"/>
-              <a:t>foreign key is a column or a set of columns in a table whose values correspond to the values of the primary key in another table.</a:t>
+              <a:t>	A foreign key is a column or a set of columns in a table whose values correspond to the values of the primary key in another table.</a:t>
             </a:r>
           </a:p>
           <a:p>
@@ -7597,20 +7414,12 @@
           </a:p>
           <a:p>
             <a:r>
-              <a:rPr lang="en-IN" dirty="0" smtClean="0"/>
-              <a:t>	A </a:t>
-            </a:r>
-            <a:r>
               <a:rPr lang="en-IN" dirty="0"/>
-              <a:t>primary key is a column or a group of columns in a table that uniquely identifies the rows in that table</a:t>
-            </a:r>
-            <a:r>
-              <a:rPr lang="en-IN" dirty="0" smtClean="0"/>
-              <a:t>.</a:t>
-            </a:r>
-          </a:p>
-          <a:p>
-            <a:endParaRPr lang="en-US" dirty="0" smtClean="0"/>
+              <a:t>	A primary key is a column or a group of columns in a table that uniquely identifies the rows in that table.</a:t>
+            </a:r>
+          </a:p>
+          <a:p>
+            <a:endParaRPr lang="en-US" dirty="0"/>
           </a:p>
           <a:p>
             <a:pPr marL="342900" indent="-342900">
@@ -7625,12 +7434,8 @@
           </a:p>
           <a:p>
             <a:r>
-              <a:rPr lang="en-IN" dirty="0" smtClean="0"/>
-              <a:t>	Views </a:t>
-            </a:r>
-            <a:r>
               <a:rPr lang="en-IN" dirty="0"/>
-              <a:t>are virtual tables. They are only a structure, and contain no data. Their purpose is to allow a user to see a subset of the actual data. A view can consist of a subset of one table</a:t>
+              <a:t>	Views are virtual tables. They are only a structure, and contain no data. Their purpose is to allow a user to see a subset of the actual data. A view can consist of a subset of one table</a:t>
             </a:r>
           </a:p>
         </p:txBody>
@@ -7657,13 +7462,6 @@
       </p:transition>
     </mc:Fallback>
   </mc:AlternateContent>
-  <p:timing>
-    <p:tnLst>
-      <p:par>
-        <p:cTn id="1" dur="indefinite" restart="never" nodeType="tmRoot"/>
-      </p:par>
-    </p:tnLst>
-  </p:timing>
 </p:sld>
 </file>
 
@@ -7751,12 +7549,8 @@
           <a:lstStyle/>
           <a:p>
             <a:r>
-              <a:rPr lang="en-IN" dirty="0" smtClean="0"/>
-              <a:t>	SQL </a:t>
-            </a:r>
-            <a:r>
               <a:rPr lang="en-IN" dirty="0"/>
-              <a:t>is the most common language for extracting and organising data that is stored in a </a:t>
+              <a:t>	SQL is the most common language for extracting and organising data that is stored in a </a:t>
             </a:r>
             <a:r>
               <a:rPr lang="en-IN" b="1" i="1" dirty="0"/>
@@ -7772,47 +7566,29 @@
             </a:r>
             <a:r>
               <a:rPr lang="en-IN" dirty="0"/>
-              <a:t> is the language of databases. It facilitates retrieving specific information from databases that are further used for </a:t>
-            </a:r>
-            <a:r>
-              <a:rPr lang="en-IN" dirty="0" smtClean="0"/>
-              <a:t>analysis.</a:t>
-            </a:r>
-            <a:endParaRPr lang="en-IN" dirty="0"/>
-          </a:p>
-          <a:p>
-            <a:r>
-              <a:rPr lang="en-IN" dirty="0" smtClean="0"/>
-              <a:t>	There </a:t>
-            </a:r>
+              <a:t> is the language of databases. It facilitates retrieving specific information from databases that are further used for analysis.</a:t>
+            </a:r>
+          </a:p>
+          <a:p>
             <a:r>
               <a:rPr lang="en-IN" dirty="0"/>
-              <a:t>are different versions and frameworks for SQL, the most commonly used is MySQL. MySQL is an open-source solution that helps facilitate SQL’s role in managing back-end data for web applications. Companies such as Facebook, Instagram, WhatsApp, etc. all use SQL for back-end data storage and data processing solutions. </a:t>
-            </a:r>
-            <a:endParaRPr lang="en-IN" dirty="0" smtClean="0"/>
-          </a:p>
-          <a:p>
-            <a:r>
-              <a:rPr lang="en-IN" dirty="0" smtClean="0"/>
-              <a:t>	When </a:t>
-            </a:r>
+              <a:t>	There are different versions and frameworks for SQL, the most commonly used is MySQL. MySQL is an open-source solution that helps facilitate SQL’s role in managing back-end data for web applications. Companies such as Facebook, Instagram, WhatsApp, etc. all use SQL for back-end data storage and data processing solutions. </a:t>
+            </a:r>
+          </a:p>
+          <a:p>
             <a:r>
               <a:rPr lang="en-IN" dirty="0"/>
-              <a:t>an SQL query is written &amp; run (or parsed), it is processed by a query optimiser. The query reaches SQL server, where it compiles in three phases; Parsing, Binding and Optimisation.</a:t>
-            </a:r>
-          </a:p>
-          <a:p>
-            <a:r>
-              <a:rPr lang="en-IN" b="1" dirty="0" smtClean="0"/>
+              <a:t>	When an SQL query is written &amp; run (or parsed), it is processed by a query optimiser. The query reaches SQL server, where it compiles in three phases; Parsing, Binding and Optimisation.</a:t>
+            </a:r>
+          </a:p>
+          <a:p>
+            <a:r>
+              <a:rPr lang="en-IN" b="1" dirty="0"/>
               <a:t>Parsing</a:t>
             </a:r>
             <a:r>
-              <a:rPr lang="en-IN" dirty="0" smtClean="0"/>
-              <a:t> </a:t>
-            </a:r>
-            <a:r>
               <a:rPr lang="en-IN" dirty="0"/>
-              <a:t>– A process to check the syntax</a:t>
+              <a:t> – A process to check the syntax</a:t>
             </a:r>
           </a:p>
           <a:p>
@@ -7868,13 +7644,6 @@
       </p:transition>
     </mc:Fallback>
   </mc:AlternateContent>
-  <p:timing>
-    <p:tnLst>
-      <p:par>
-        <p:cTn id="1" dur="indefinite" restart="never" nodeType="tmRoot"/>
-      </p:par>
-    </p:tnLst>
-  </p:timing>
 </p:sld>
 </file>
 
@@ -7962,12 +7731,8 @@
           <a:lstStyle/>
           <a:p>
             <a:r>
-              <a:rPr lang="en-IN" b="1" i="1" dirty="0" smtClean="0"/>
-              <a:t>SQL </a:t>
-            </a:r>
-            <a:r>
               <a:rPr lang="en-IN" b="1" i="1" dirty="0"/>
-              <a:t>Used for?</a:t>
+              <a:t>SQL Used for?</a:t>
             </a:r>
           </a:p>
           <a:p>
@@ -7975,16 +7740,11 @@
               <a:rPr lang="en-IN" dirty="0"/>
               <a:t>Now that we understand what is SQL and how does it work, let’s try to see what SQL can do. </a:t>
             </a:r>
-            <a:endParaRPr lang="en-IN" dirty="0" smtClean="0"/>
-          </a:p>
-          <a:p>
-            <a:r>
-              <a:rPr lang="en-IN" dirty="0" smtClean="0"/>
-              <a:t>This </a:t>
-            </a:r>
+          </a:p>
+          <a:p>
             <a:r>
               <a:rPr lang="en-IN" dirty="0"/>
-              <a:t>programming language has various uses for data analysts &amp; data science professionals. It is particularly helpful because it can:</a:t>
+              <a:t>This programming language has various uses for data analysts &amp; data science professionals. It is particularly helpful because it can:</a:t>
             </a:r>
           </a:p>
           <a:p>
@@ -8094,13 +7854,6 @@
       </p:transition>
     </mc:Fallback>
   </mc:AlternateContent>
-  <p:timing>
-    <p:tnLst>
-      <p:par>
-        <p:cTn id="1" dur="indefinite" restart="never" nodeType="tmRoot"/>
-      </p:par>
-    </p:tnLst>
-  </p:timing>
 </p:sld>
 </file>
 
@@ -8223,16 +7976,8 @@
           </a:p>
           <a:p>
             <a:r>
-              <a:rPr lang="en-IN" dirty="0" smtClean="0"/>
-              <a:t>	MySQL</a:t>
-            </a:r>
-            <a:r>
               <a:rPr lang="en-IN" dirty="0"/>
-              <a:t>, the most popular Open Source SQL database management system, is developed, distributed, and supported by Oracle Corporation</a:t>
-            </a:r>
-            <a:r>
-              <a:rPr lang="en-IN" dirty="0" smtClean="0"/>
-              <a:t>.</a:t>
+              <a:t>	MySQL, the most popular Open Source SQL database management system, is developed, distributed, and supported by Oracle Corporation.</a:t>
             </a:r>
           </a:p>
           <a:p>
@@ -8545,13 +8290,6 @@
       </p:transition>
     </mc:Fallback>
   </mc:AlternateContent>
-  <p:timing>
-    <p:tnLst>
-      <p:par>
-        <p:cTn id="1" dur="indefinite" restart="never" nodeType="tmRoot"/>
-      </p:par>
-    </p:tnLst>
-  </p:timing>
 </p:sld>
 </file>
 
@@ -8644,12 +8382,8 @@
           </a:p>
           <a:p>
             <a:r>
-              <a:rPr lang="en-IN" dirty="0" smtClean="0"/>
-              <a:t>	Check </a:t>
-            </a:r>
-            <a:r>
               <a:rPr lang="en-IN" dirty="0"/>
-              <a:t>downloads page at https://dev.mysql.com/downloads/ for information about the current version of MySQL and for downloading instructions.</a:t>
+              <a:t>	Check downloads page at https://dev.mysql.com/downloads/ for information about the current version of MySQL and for downloading instructions.</a:t>
             </a:r>
           </a:p>
           <a:p>
@@ -8667,16 +8401,6 @@
               </a:buClr>
             </a:pPr>
             <a:r>
-              <a:rPr lang="en-IN" sz="2800" dirty="0" smtClean="0">
-                <a:solidFill>
-                  <a:schemeClr val="accent1">
-                    <a:lumMod val="75000"/>
-                  </a:schemeClr>
-                </a:solidFill>
-              </a:rPr>
-              <a:t>https</a:t>
-            </a:r>
-            <a:r>
               <a:rPr lang="en-IN" sz="2800" dirty="0">
                 <a:solidFill>
                   <a:schemeClr val="accent1">
@@ -8684,7 +8408,7 @@
                   </a:schemeClr>
                 </a:solidFill>
               </a:rPr>
-              <a:t>://dev.mysql.com/doc/refman/8.0/en/installation-layouts.html</a:t>
+              <a:t>https://dev.mysql.com/doc/refman/8.0/en/installation-layouts.html</a:t>
             </a:r>
           </a:p>
           <a:p>
@@ -8702,12 +8426,8 @@
           </a:p>
           <a:p>
             <a:r>
-              <a:rPr lang="en-IN" dirty="0" smtClean="0"/>
-              <a:t>	MySQL </a:t>
-            </a:r>
-            <a:r>
               <a:rPr lang="en-IN" dirty="0"/>
-              <a:t>Installer requires Microsoft .NET Framework 4.5.2 or later. If this version is not installed on the host computer, you can download it by visiting the Microsoft website.</a:t>
+              <a:t>	MySQL Installer requires Microsoft .NET Framework 4.5.2 or later. If this version is not installed on the host computer, you can download it by visiting the Microsoft website.</a:t>
             </a:r>
           </a:p>
         </p:txBody>
@@ -8734,13 +8454,6 @@
       </p:transition>
     </mc:Fallback>
   </mc:AlternateContent>
-  <p:timing>
-    <p:tnLst>
-      <p:par>
-        <p:cTn id="1" dur="indefinite" restart="never" nodeType="tmRoot"/>
-      </p:par>
-    </p:tnLst>
-  </p:timing>
 </p:sld>
 </file>
 
@@ -8842,7 +8555,7 @@
               <a:t>, </a:t>
             </a:r>
             <a:r>
-              <a:rPr lang="en-IN" dirty="0" err="1" smtClean="0"/>
+              <a:rPr lang="en-IN" dirty="0" err="1"/>
               <a:t>PostgreSQL,and</a:t>
             </a:r>
             <a:r>
@@ -8857,16 +8570,11 @@
               <a:rPr lang="en-IN" dirty="0"/>
               <a:t>. </a:t>
             </a:r>
-            <a:endParaRPr lang="en-IN" dirty="0" smtClean="0"/>
-          </a:p>
-          <a:p>
-            <a:r>
-              <a:rPr lang="en-IN" dirty="0" smtClean="0"/>
-              <a:t>On </a:t>
-            </a:r>
+          </a:p>
+          <a:p>
             <a:r>
               <a:rPr lang="en-IN" dirty="0"/>
-              <a:t>the other hand, some famous NoSQL examples are </a:t>
+              <a:t>On the other hand, some famous NoSQL examples are </a:t>
             </a:r>
             <a:r>
               <a:rPr lang="en-IN" i="1" dirty="0"/>
@@ -8882,15 +8590,7 @@
             </a:r>
             <a:r>
               <a:rPr lang="en-IN" dirty="0"/>
-              <a:t>, </a:t>
-            </a:r>
-            <a:r>
-              <a:rPr lang="en-IN" dirty="0" smtClean="0"/>
-              <a:t>Firebase and</a:t>
-            </a:r>
-            <a:r>
-              <a:rPr lang="en-IN" dirty="0"/>
-              <a:t> </a:t>
+              <a:t>, Firebase and </a:t>
             </a:r>
             <a:r>
               <a:rPr lang="en-IN" i="1" dirty="0" err="1"/>
@@ -8965,13 +8665,6 @@
       </p:transition>
     </mc:Fallback>
   </mc:AlternateContent>
-  <p:timing>
-    <p:tnLst>
-      <p:par>
-        <p:cTn id="1" dur="indefinite" restart="never" nodeType="tmRoot"/>
-      </p:par>
-    </p:tnLst>
-  </p:timing>
 </p:sld>
 </file>
 
@@ -9146,13 +8839,6 @@
       </p:transition>
     </mc:Fallback>
   </mc:AlternateContent>
-  <p:timing>
-    <p:tnLst>
-      <p:par>
-        <p:cTn id="1" dur="indefinite" restart="never" nodeType="tmRoot"/>
-      </p:par>
-    </p:tnLst>
-  </p:timing>
 </p:sld>
 </file>
 
@@ -9275,16 +8961,8 @@
           </a:p>
           <a:p>
             <a:r>
-              <a:rPr lang="en-IN" dirty="0" smtClean="0"/>
-              <a:t>	MySQL</a:t>
-            </a:r>
-            <a:r>
               <a:rPr lang="en-IN" dirty="0"/>
-              <a:t>, the most popular Open Source SQL database management system, is developed, distributed, and supported by Oracle Corporation</a:t>
-            </a:r>
-            <a:r>
-              <a:rPr lang="en-IN" dirty="0" smtClean="0"/>
-              <a:t>.</a:t>
+              <a:t>	MySQL, the most popular Open Source SQL database management system, is developed, distributed, and supported by Oracle Corporation.</a:t>
             </a:r>
           </a:p>
           <a:p>
@@ -9364,13 +9042,6 @@
       </p:transition>
     </mc:Fallback>
   </mc:AlternateContent>
-  <p:timing>
-    <p:tnLst>
-      <p:par>
-        <p:cTn id="1" dur="indefinite" restart="never" nodeType="tmRoot"/>
-      </p:par>
-    </p:tnLst>
-  </p:timing>
 </p:sld>
 </file>
 
@@ -9493,16 +9164,8 @@
           </a:p>
           <a:p>
             <a:r>
-              <a:rPr lang="en-IN" dirty="0" smtClean="0"/>
-              <a:t>	MySQL</a:t>
-            </a:r>
-            <a:r>
               <a:rPr lang="en-IN" dirty="0"/>
-              <a:t>, the most popular Open Source SQL database management system, is developed, distributed, and supported by Oracle Corporation</a:t>
-            </a:r>
-            <a:r>
-              <a:rPr lang="en-IN" dirty="0" smtClean="0"/>
-              <a:t>.</a:t>
+              <a:t>	MySQL, the most popular Open Source SQL database management system, is developed, distributed, and supported by Oracle Corporation.</a:t>
             </a:r>
           </a:p>
           <a:p>
@@ -9582,13 +9245,6 @@
       </p:transition>
     </mc:Fallback>
   </mc:AlternateContent>
-  <p:timing>
-    <p:tnLst>
-      <p:par>
-        <p:cTn id="1" dur="indefinite" restart="never" nodeType="tmRoot"/>
-      </p:par>
-    </p:tnLst>
-  </p:timing>
 </p:sld>
 </file>
 
@@ -9669,20 +9325,12 @@
               </a:spcBef>
             </a:pPr>
             <a:r>
-              <a:rPr lang="en-IN" sz="6000" b="1" dirty="0" smtClean="0">
-                <a:latin typeface="+mj-lt"/>
-                <a:ea typeface="+mj-ea"/>
-                <a:cs typeface="+mj-cs"/>
-              </a:rPr>
-              <a:t>MySQL </a:t>
-            </a:r>
-            <a:r>
               <a:rPr lang="en-IN" sz="6000" b="1" dirty="0">
                 <a:latin typeface="+mj-lt"/>
                 <a:ea typeface="+mj-ea"/>
                 <a:cs typeface="+mj-cs"/>
               </a:rPr>
-              <a:t>client</a:t>
+              <a:t>MySQL client</a:t>
             </a:r>
           </a:p>
         </p:txBody>
@@ -9714,11 +9362,7 @@
             </a:pPr>
             <a:r>
               <a:rPr lang="en-IN" dirty="0"/>
-              <a:t>MySQL </a:t>
-            </a:r>
-            <a:r>
-              <a:rPr lang="en-IN" dirty="0" smtClean="0"/>
-              <a:t>Workbench</a:t>
+              <a:t>MySQL Workbench</a:t>
             </a:r>
           </a:p>
           <a:p>
@@ -9732,15 +9376,11 @@
             </a:r>
             <a:r>
               <a:rPr lang="en-IN" dirty="0"/>
-              <a:t>, SQL development, and comprehensive administration tools for server configuration, user administration, backup, and much more. MySQL Workbench is available on Windows, Linux and Mac OS X</a:t>
-            </a:r>
-            <a:r>
-              <a:rPr lang="en-IN" dirty="0" smtClean="0"/>
-              <a:t>.</a:t>
-            </a:r>
-          </a:p>
-          <a:p>
-            <a:endParaRPr lang="en-IN" dirty="0" smtClean="0"/>
+              <a:t>, SQL development, and comprehensive administration tools for server configuration, user administration, backup, and much more. MySQL Workbench is available on Windows, Linux and Mac OS X.</a:t>
+            </a:r>
+          </a:p>
+          <a:p>
+            <a:endParaRPr lang="en-IN" dirty="0"/>
           </a:p>
           <a:p>
             <a:pPr marL="342900" indent="-342900">
@@ -9748,26 +9388,22 @@
               <a:buChar char="Ø"/>
             </a:pPr>
             <a:r>
-              <a:rPr lang="en-IN" dirty="0" smtClean="0"/>
+              <a:rPr lang="en-IN" dirty="0"/>
               <a:t>PhpMyAdmin</a:t>
             </a:r>
           </a:p>
           <a:p>
             <a:r>
-              <a:rPr lang="en-IN" dirty="0" smtClean="0"/>
+              <a:rPr lang="en-IN" dirty="0"/>
               <a:t>	</a:t>
             </a:r>
             <a:r>
-              <a:rPr lang="en-IN" dirty="0" err="1" smtClean="0"/>
+              <a:rPr lang="en-IN" dirty="0" err="1"/>
               <a:t>phpMyAdmin</a:t>
             </a:r>
             <a:r>
-              <a:rPr lang="en-IN" dirty="0" smtClean="0"/>
-              <a:t> </a:t>
-            </a:r>
-            <a:r>
               <a:rPr lang="en-IN" dirty="0"/>
-              <a:t>is a free software tool written in </a:t>
+              <a:t> is a free software tool written in </a:t>
             </a:r>
             <a:r>
               <a:rPr lang="en-IN" dirty="0">
@@ -9789,30 +9425,24 @@
               <a:rPr lang="en-IN" dirty="0"/>
               <a:t> over the Web. </a:t>
             </a:r>
-            <a:endParaRPr lang="en-IN" dirty="0" smtClean="0"/>
-          </a:p>
-          <a:p>
-            <a:r>
-              <a:rPr lang="en-IN" dirty="0" err="1" smtClean="0"/>
+          </a:p>
+          <a:p>
+            <a:r>
+              <a:rPr lang="en-IN" dirty="0" err="1"/>
               <a:t>phpMyAdmin</a:t>
             </a:r>
             <a:r>
-              <a:rPr lang="en-IN" dirty="0" smtClean="0"/>
-              <a:t> </a:t>
-            </a:r>
-            <a:r>
               <a:rPr lang="en-IN" dirty="0"/>
-              <a:t>supports a wide range of operations on MySQL and </a:t>
+              <a:t> supports a wide range of operations on MySQL and </a:t>
             </a:r>
             <a:r>
               <a:rPr lang="en-IN" dirty="0" err="1"/>
               <a:t>MariaDB</a:t>
             </a:r>
             <a:r>
-              <a:rPr lang="en-IN" dirty="0" smtClean="0"/>
+              <a:rPr lang="en-IN" dirty="0"/>
               <a:t>	</a:t>
             </a:r>
-            <a:endParaRPr lang="en-IN" dirty="0"/>
           </a:p>
         </p:txBody>
       </p:sp>
@@ -10071,13 +9701,6 @@
       </p:transition>
     </mc:Fallback>
   </mc:AlternateContent>
-  <p:timing>
-    <p:tnLst>
-      <p:par>
-        <p:cTn id="1" dur="indefinite" restart="never" nodeType="tmRoot"/>
-      </p:par>
-    </p:tnLst>
-  </p:timing>
 </p:sld>
 </file>
 
@@ -10119,10 +9742,9 @@
           <a:lstStyle/>
           <a:p>
             <a:r>
-              <a:rPr lang="en-US" dirty="0" smtClean="0"/>
+              <a:rPr lang="en-US" dirty="0"/>
               <a:t>Thanks</a:t>
             </a:r>
-            <a:endParaRPr lang="en-US" dirty="0"/>
           </a:p>
         </p:txBody>
       </p:sp>
@@ -10197,13 +9819,6 @@
       </p:transition>
     </mc:Fallback>
   </mc:AlternateContent>
-  <p:timing>
-    <p:tnLst>
-      <p:par>
-        <p:cTn id="1" dur="indefinite" restart="never" nodeType="tmRoot"/>
-      </p:par>
-    </p:tnLst>
-  </p:timing>
 </p:sld>
 </file>
 
@@ -10281,44 +9896,19 @@
           <a:p>
             <a:r>
               <a:rPr lang="en-IN" dirty="0"/>
-              <a:t>Databases are structured to facilitate the storage, retrieval, modification, and deletion of data in conjunction with various data-processing </a:t>
-            </a:r>
-            <a:r>
-              <a:rPr lang="en-IN" dirty="0" smtClean="0"/>
-              <a:t>operations.</a:t>
+              <a:t>Databases are structured to facilitate the storage, retrieval, modification, and deletion of data in conjunction with various data-processing operations.</a:t>
             </a:r>
           </a:p>
           <a:p>
             <a:r>
               <a:rPr lang="en-IN" dirty="0"/>
-              <a:t>B</a:t>
-            </a:r>
-            <a:r>
-              <a:rPr lang="en-IN" dirty="0" smtClean="0"/>
-              <a:t>usinesses </a:t>
-            </a:r>
+              <a:t>Businesses can use databases in various ways. It helps them to arrange information about their customers and clients. Also, it can include information about product inventory. </a:t>
+            </a:r>
+          </a:p>
+          <a:p>
             <a:r>
               <a:rPr lang="en-IN" dirty="0"/>
-              <a:t>can use databases in various ways. It helps them to arrange information about their customers and clients. Also, it can include information about </a:t>
-            </a:r>
-            <a:r>
-              <a:rPr lang="en-IN" dirty="0" smtClean="0"/>
-              <a:t>product </a:t>
-            </a:r>
-            <a:r>
-              <a:rPr lang="en-IN" dirty="0"/>
-              <a:t>inventory. </a:t>
-            </a:r>
-            <a:endParaRPr lang="en-IN" dirty="0" smtClean="0"/>
-          </a:p>
-          <a:p>
-            <a:r>
-              <a:rPr lang="en-IN" dirty="0" smtClean="0"/>
-              <a:t>It </a:t>
-            </a:r>
-            <a:r>
-              <a:rPr lang="en-IN" dirty="0"/>
-              <a:t>helps to monitor sales, expenses, and other financial information.</a:t>
+              <a:t>It helps to monitor sales, expenses, and other financial information.</a:t>
             </a:r>
           </a:p>
         </p:txBody>
@@ -10345,13 +9935,6 @@
       </p:transition>
     </mc:Fallback>
   </mc:AlternateContent>
-  <p:timing>
-    <p:tnLst>
-      <p:par>
-        <p:cTn id="1" dur="indefinite" restart="never" nodeType="tmRoot"/>
-      </p:par>
-    </p:tnLst>
-  </p:timing>
 </p:sld>
 </file>
 
@@ -10396,21 +9979,13 @@
           <a:p>
             <a:r>
               <a:rPr lang="en-IN" dirty="0"/>
-              <a:t>A database model shows the logical structure of a database, including the relationships and constraints that determine how data can be stored and accessed</a:t>
-            </a:r>
-            <a:r>
-              <a:rPr lang="en-IN" dirty="0" smtClean="0"/>
-              <a:t>.</a:t>
-            </a:r>
-          </a:p>
-          <a:p>
-            <a:r>
-              <a:rPr lang="en-IN" dirty="0" smtClean="0"/>
-              <a:t> </a:t>
-            </a:r>
+              <a:t>A database model shows the logical structure of a database, including the relationships and constraints that determine how data can be stored and accessed.</a:t>
+            </a:r>
+          </a:p>
+          <a:p>
             <a:r>
               <a:rPr lang="en-IN" dirty="0"/>
-              <a:t>Individual database models are designed based on the rules and concepts of whichever broader data model the designers adopt.</a:t>
+              <a:t> Individual database models are designed based on the rules and concepts of whichever broader data model the designers adopt.</a:t>
             </a:r>
             <a:endParaRPr lang="en-US" dirty="0"/>
           </a:p>
@@ -10478,13 +10053,6 @@
       </p:transition>
     </mc:Fallback>
   </mc:AlternateContent>
-  <p:timing>
-    <p:tnLst>
-      <p:par>
-        <p:cTn id="1" dur="indefinite" restart="never" nodeType="tmRoot"/>
-      </p:par>
-    </p:tnLst>
-  </p:timing>
 </p:sld>
 </file>
 
@@ -10532,11 +10100,7 @@
             </a:pPr>
             <a:r>
               <a:rPr lang="en-IN" dirty="0"/>
-              <a:t>There are many kinds of data models. Some of the most common ones include</a:t>
-            </a:r>
-            <a:r>
-              <a:rPr lang="en-IN" dirty="0" smtClean="0"/>
-              <a:t>:</a:t>
+              <a:t>There are many kinds of data models. Some of the most common ones include:</a:t>
             </a:r>
           </a:p>
           <a:p>
@@ -10582,11 +10146,7 @@
             </a:pPr>
             <a:r>
               <a:rPr lang="en-IN" sz="2400" dirty="0"/>
-              <a:t>Object-oriented database </a:t>
-            </a:r>
-            <a:r>
-              <a:rPr lang="en-IN" sz="2400" dirty="0" smtClean="0"/>
-              <a:t>model</a:t>
+              <a:t>Object-oriented database model</a:t>
             </a:r>
           </a:p>
           <a:p>
@@ -10595,7 +10155,7 @@
               <a:buChar char="Ø"/>
             </a:pPr>
             <a:r>
-              <a:rPr lang="en-US" sz="2400" dirty="0" smtClean="0"/>
+              <a:rPr lang="en-US" sz="2400" dirty="0"/>
               <a:t>No-SQL database model</a:t>
             </a:r>
             <a:endParaRPr lang="en-IN" sz="2400" dirty="0"/>
@@ -10664,13 +10224,6 @@
       </p:transition>
     </mc:Fallback>
   </mc:AlternateContent>
-  <p:timing>
-    <p:tnLst>
-      <p:par>
-        <p:cTn id="1" dur="indefinite" restart="never" nodeType="tmRoot"/>
-      </p:par>
-    </p:tnLst>
-  </p:timing>
 </p:sld>
 </file>
 
@@ -10748,16 +10301,8 @@
               <a:buChar char="Ø"/>
             </a:pPr>
             <a:r>
-              <a:rPr lang="en-IN" b="1" i="1" dirty="0" smtClean="0"/>
-              <a:t>Hierarchical </a:t>
-            </a:r>
-            <a:r>
               <a:rPr lang="en-IN" b="1" i="1" dirty="0"/>
-              <a:t>database </a:t>
-            </a:r>
-            <a:r>
-              <a:rPr lang="en-IN" b="1" i="1" dirty="0" smtClean="0"/>
-              <a:t>model</a:t>
+              <a:t>Hierarchical database model</a:t>
             </a:r>
           </a:p>
           <a:p>
@@ -10765,12 +10310,8 @@
               <a:buNone/>
             </a:pPr>
             <a:r>
-              <a:rPr lang="en-IN" dirty="0" smtClean="0"/>
-              <a:t>	The </a:t>
-            </a:r>
-            <a:r>
               <a:rPr lang="en-IN" dirty="0"/>
-              <a:t>hierarchical model organizes data into a tree-like structure, where each record has a single parent or root.</a:t>
+              <a:t>	The hierarchical model organizes data into a tree-like structure, where each record has a single parent or root.</a:t>
             </a:r>
           </a:p>
         </p:txBody>
@@ -10837,13 +10378,6 @@
       </p:transition>
     </mc:Fallback>
   </mc:AlternateContent>
-  <p:timing>
-    <p:tnLst>
-      <p:par>
-        <p:cTn id="1" dur="indefinite" restart="never" nodeType="tmRoot"/>
-      </p:par>
-    </p:tnLst>
-  </p:timing>
 </p:sld>
 </file>
 
@@ -10892,11 +10426,7 @@
             </a:pPr>
             <a:r>
               <a:rPr lang="en-IN" b="1" i="1" dirty="0"/>
-              <a:t>Relational </a:t>
-            </a:r>
-            <a:r>
-              <a:rPr lang="en-IN" b="1" i="1" dirty="0" smtClean="0"/>
-              <a:t>database model</a:t>
+              <a:t>Relational database model</a:t>
             </a:r>
           </a:p>
           <a:p>
@@ -10904,20 +10434,8 @@
               <a:buNone/>
             </a:pPr>
             <a:r>
-              <a:rPr lang="en-IN" dirty="0" smtClean="0"/>
-              <a:t>	</a:t>
-            </a:r>
-            <a:r>
               <a:rPr lang="en-IN" dirty="0"/>
-              <a:t>T</a:t>
-            </a:r>
-            <a:r>
-              <a:rPr lang="en-IN" dirty="0" smtClean="0"/>
-              <a:t>he </a:t>
-            </a:r>
-            <a:r>
-              <a:rPr lang="en-IN" dirty="0"/>
-              <a:t>relational model sorts data into tables, also known as relations, each of which consists of columns and rows.</a:t>
+              <a:t>	The relational model sorts data into tables, also known as relations, each of which consists of columns and rows.</a:t>
             </a:r>
           </a:p>
         </p:txBody>
@@ -11014,13 +10532,6 @@
       </p:transition>
     </mc:Fallback>
   </mc:AlternateContent>
-  <p:timing>
-    <p:tnLst>
-      <p:par>
-        <p:cTn id="1" dur="indefinite" restart="never" nodeType="tmRoot"/>
-      </p:par>
-    </p:tnLst>
-  </p:timing>
 </p:sld>
 </file>
 
@@ -11076,7 +10587,7 @@
               <a:t> </a:t>
             </a:r>
             <a:r>
-              <a:rPr lang="en-IN" b="1" i="1" dirty="0" smtClean="0"/>
+              <a:rPr lang="en-IN" b="1" i="1" dirty="0"/>
               <a:t>database model</a:t>
             </a:r>
           </a:p>
@@ -11085,7 +10596,7 @@
               <a:buNone/>
             </a:pPr>
             <a:r>
-              <a:rPr lang="en-IN" dirty="0" smtClean="0"/>
+              <a:rPr lang="en-IN" dirty="0"/>
               <a:t>	</a:t>
             </a:r>
             <a:r>
@@ -11187,13 +10698,6 @@
       </p:transition>
     </mc:Fallback>
   </mc:AlternateContent>
-  <p:timing>
-    <p:tnLst>
-      <p:par>
-        <p:cTn id="1" dur="indefinite" restart="never" nodeType="tmRoot"/>
-      </p:par>
-    </p:tnLst>
-  </p:timing>
 </p:sld>
 </file>
 
@@ -11249,7 +10753,7 @@
               <a:t> </a:t>
             </a:r>
             <a:r>
-              <a:rPr lang="en-IN" b="1" i="1" dirty="0" smtClean="0"/>
+              <a:rPr lang="en-IN" b="1" i="1" dirty="0"/>
               <a:t>database model</a:t>
             </a:r>
           </a:p>
@@ -11258,12 +10762,8 @@
               <a:buNone/>
             </a:pPr>
             <a:r>
-              <a:rPr lang="en-IN" dirty="0" smtClean="0"/>
-              <a:t>	</a:t>
-            </a:r>
-            <a:r>
               <a:rPr lang="en-IN" dirty="0"/>
-              <a:t>This model defines a database as a collection of objects, or reusable software elements, with associated features and methods.</a:t>
+              <a:t>	This model defines a database as a collection of objects, or reusable software elements, with associated features and methods.</a:t>
             </a:r>
           </a:p>
         </p:txBody>
@@ -11360,13 +10860,6 @@
       </p:transition>
     </mc:Fallback>
   </mc:AlternateContent>
-  <p:timing>
-    <p:tnLst>
-      <p:par>
-        <p:cTn id="1" dur="indefinite" restart="never" nodeType="tmRoot"/>
-      </p:par>
-    </p:tnLst>
-  </p:timing>
 </p:sld>
 </file>
 
